--- a/Agenda Materials/onedm-agenda-2022-10-31.pptx
+++ b/Agenda Materials/onedm-agenda-2022-10-31.pptx
@@ -6,12 +6,13 @@
     <p:sldMasterId id="2147483672" r:id="rId2"/>
   </p:sldMasterIdLst>
   <p:notesMasterIdLst>
-    <p:notesMasterId r:id="rId6"/>
+    <p:notesMasterId r:id="rId7"/>
   </p:notesMasterIdLst>
   <p:sldIdLst>
     <p:sldId id="256" r:id="rId3"/>
     <p:sldId id="354" r:id="rId4"/>
-    <p:sldId id="355" r:id="rId5"/>
+    <p:sldId id="356" r:id="rId5"/>
+    <p:sldId id="355" r:id="rId6"/>
   </p:sldIdLst>
   <p:sldSz cx="9144000" cy="6858000" type="letter"/>
   <p:notesSz cx="6858000" cy="9144000"/>
@@ -7428,38 +7429,73 @@
           <a:p>
             <a:r>
               <a:rPr lang="en-GB" sz="3300" dirty="0"/>
-              <a:t>Link pattern review</a:t>
-            </a:r>
-          </a:p>
-          <a:p>
-            <a:pPr lvl="1"/>
-            <a:r>
-              <a:rPr lang="en-US" dirty="0">
+              <a:t>T2TRG summary meeting doodle:</a:t>
+            </a:r>
+            <a:r>
+              <a:rPr lang="en-US" u="sng" dirty="0">
                 <a:hlinkClick r:id="rId2"/>
               </a:rPr>
+              <a:t>https://doodle.com/meeting/participate/id/azvPBNYa</a:t>
+            </a:r>
+            <a:endParaRPr lang="en-GB" sz="3300" dirty="0"/>
+          </a:p>
+          <a:p>
+            <a:r>
+              <a:rPr lang="en-GB" sz="3300" dirty="0"/>
+              <a:t>IETF 115 Hackathon November 5</a:t>
+            </a:r>
+            <a:r>
+              <a:rPr lang="en-GB" sz="3300" baseline="30000" dirty="0"/>
+              <a:t>th</a:t>
+            </a:r>
+            <a:r>
+              <a:rPr lang="en-GB" sz="3300" dirty="0"/>
+              <a:t> and 6</a:t>
+            </a:r>
+            <a:r>
+              <a:rPr lang="en-GB" sz="3300" baseline="30000" dirty="0"/>
+              <a:t>th</a:t>
+            </a:r>
+            <a:r>
+              <a:rPr lang="en-GB" sz="3300" dirty="0"/>
+              <a:t> </a:t>
+            </a:r>
+          </a:p>
+          <a:p>
+            <a:r>
+              <a:rPr lang="en-GB" sz="3300" dirty="0"/>
+              <a:t>Link pattern review</a:t>
+            </a:r>
+          </a:p>
+          <a:p>
+            <a:pPr lvl="1"/>
+            <a:r>
+              <a:rPr lang="en-US" dirty="0">
+                <a:hlinkClick r:id="rId3"/>
+              </a:rPr>
               <a:t>https://</a:t>
             </a:r>
             <a:r>
               <a:rPr lang="en-US" dirty="0" err="1">
-                <a:hlinkClick r:id="rId2"/>
+                <a:hlinkClick r:id="rId3"/>
               </a:rPr>
               <a:t>github.com</a:t>
             </a:r>
             <a:r>
               <a:rPr lang="en-US" dirty="0">
-                <a:hlinkClick r:id="rId2"/>
+                <a:hlinkClick r:id="rId3"/>
               </a:rPr>
               <a:t>/t2trg/</a:t>
             </a:r>
             <a:r>
               <a:rPr lang="en-US" dirty="0" err="1">
-                <a:hlinkClick r:id="rId2"/>
+                <a:hlinkClick r:id="rId3"/>
               </a:rPr>
               <a:t>wishi</a:t>
             </a:r>
             <a:r>
               <a:rPr lang="en-US" dirty="0">
-                <a:hlinkClick r:id="rId2"/>
+                <a:hlinkClick r:id="rId3"/>
               </a:rPr>
               <a:t>/wiki/NOTE:-Link-information-for-data-models</a:t>
             </a:r>
@@ -7472,31 +7508,21 @@
             </a:r>
           </a:p>
           <a:p>
+            <a:pPr lvl="1"/>
+            <a:r>
+              <a:rPr lang="en-GB" sz="2900" dirty="0"/>
+              <a:t>MK to ask Simon for </a:t>
+            </a:r>
+            <a:r>
+              <a:rPr lang="en-GB" sz="2900"/>
+              <a:t>machine source</a:t>
+            </a:r>
+            <a:endParaRPr lang="en-GB" sz="2900" dirty="0"/>
+          </a:p>
+          <a:p>
             <a:r>
               <a:rPr lang="en-GB" sz="3300" dirty="0"/>
               <a:t>CSA (Zigbee) status</a:t>
-            </a:r>
-          </a:p>
-          <a:p>
-            <a:r>
-              <a:rPr lang="en-GB" sz="3300" dirty="0"/>
-              <a:t>IETF 115 Hackathon November 5</a:t>
-            </a:r>
-            <a:r>
-              <a:rPr lang="en-GB" sz="3300" baseline="30000" dirty="0"/>
-              <a:t>th</a:t>
-            </a:r>
-            <a:r>
-              <a:rPr lang="en-GB" sz="3300" dirty="0"/>
-              <a:t> and 6</a:t>
-            </a:r>
-            <a:r>
-              <a:rPr lang="en-GB" sz="3300" baseline="30000" dirty="0"/>
-              <a:t>th</a:t>
-            </a:r>
-            <a:r>
-              <a:rPr lang="en-GB" sz="3300" dirty="0"/>
-              <a:t> </a:t>
             </a:r>
           </a:p>
           <a:p>
@@ -7522,6 +7548,186 @@
 </file>
 
 <file path=ppt/slides/slide3.xml><?xml version="1.0" encoding="utf-8"?>
+<p:sld xmlns:a="http://schemas.openxmlformats.org/drawingml/2006/main" xmlns:r="http://schemas.openxmlformats.org/officeDocument/2006/relationships" xmlns:p="http://schemas.openxmlformats.org/presentationml/2006/main">
+  <p:cSld>
+    <p:spTree>
+      <p:nvGrpSpPr>
+        <p:cNvPr id="1" name=""/>
+        <p:cNvGrpSpPr/>
+        <p:nvPr/>
+      </p:nvGrpSpPr>
+      <p:grpSpPr>
+        <a:xfrm>
+          <a:off x="0" y="0"/>
+          <a:ext cx="0" cy="0"/>
+          <a:chOff x="0" y="0"/>
+          <a:chExt cx="0" cy="0"/>
+        </a:xfrm>
+      </p:grpSpPr>
+      <p:sp>
+        <p:nvSpPr>
+          <p:cNvPr id="2" name="Title 1"/>
+          <p:cNvSpPr>
+            <a:spLocks noGrp="1"/>
+          </p:cNvSpPr>
+          <p:nvPr>
+            <p:ph type="title"/>
+          </p:nvPr>
+        </p:nvSpPr>
+        <p:spPr>
+          <a:xfrm>
+            <a:off x="1358765" y="239003"/>
+            <a:ext cx="7293219" cy="1006474"/>
+          </a:xfrm>
+        </p:spPr>
+        <p:txBody>
+          <a:bodyPr/>
+          <a:lstStyle/>
+          <a:p>
+            <a:r>
+              <a:rPr lang="en-US" dirty="0"/>
+              <a:t>IETF 115 Hackathon</a:t>
+            </a:r>
+          </a:p>
+        </p:txBody>
+      </p:sp>
+      <p:sp>
+        <p:nvSpPr>
+          <p:cNvPr id="3" name="Content Placeholder 2"/>
+          <p:cNvSpPr>
+            <a:spLocks noGrp="1"/>
+          </p:cNvSpPr>
+          <p:nvPr>
+            <p:ph idx="1"/>
+          </p:nvPr>
+        </p:nvSpPr>
+        <p:spPr>
+          <a:xfrm>
+            <a:off x="903470" y="1327667"/>
+            <a:ext cx="7830181" cy="4531488"/>
+          </a:xfrm>
+        </p:spPr>
+        <p:txBody>
+          <a:bodyPr>
+            <a:normAutofit fontScale="85000" lnSpcReduction="20000"/>
+          </a:bodyPr>
+          <a:lstStyle/>
+          <a:p>
+            <a:r>
+              <a:rPr lang="en-GB" sz="3300" dirty="0"/>
+              <a:t>IETF 115 Hackathon November 5</a:t>
+            </a:r>
+            <a:r>
+              <a:rPr lang="en-GB" sz="3300" baseline="30000" dirty="0"/>
+              <a:t>th</a:t>
+            </a:r>
+            <a:r>
+              <a:rPr lang="en-GB" sz="3300" dirty="0"/>
+              <a:t> and 6</a:t>
+            </a:r>
+            <a:r>
+              <a:rPr lang="en-GB" sz="3300" baseline="30000" dirty="0"/>
+              <a:t>th</a:t>
+            </a:r>
+          </a:p>
+          <a:p>
+            <a:pPr lvl="1"/>
+            <a:r>
+              <a:rPr lang="en-GB" sz="2900" baseline="30000" dirty="0"/>
+              <a:t>Remote dial-in</a:t>
+            </a:r>
+            <a:r>
+              <a:rPr lang="en-GB" sz="2900" dirty="0"/>
+              <a:t> </a:t>
+            </a:r>
+          </a:p>
+          <a:p>
+            <a:pPr lvl="1"/>
+            <a:r>
+              <a:rPr lang="en-GB" sz="2900" dirty="0"/>
+              <a:t>Tools – model conversion focus</a:t>
+            </a:r>
+          </a:p>
+          <a:p>
+            <a:pPr lvl="2"/>
+            <a:r>
+              <a:rPr lang="en-GB" sz="2500" dirty="0"/>
+              <a:t>Bluetooth package</a:t>
+            </a:r>
+          </a:p>
+          <a:p>
+            <a:pPr lvl="2"/>
+            <a:r>
+              <a:rPr lang="en-GB" sz="2500" dirty="0"/>
+              <a:t>API translation generalize the OCF design</a:t>
+            </a:r>
+          </a:p>
+          <a:p>
+            <a:pPr lvl="2"/>
+            <a:r>
+              <a:rPr lang="en-GB" sz="2500" dirty="0"/>
+              <a:t>Action and Event</a:t>
+            </a:r>
+          </a:p>
+          <a:p>
+            <a:pPr lvl="2"/>
+            <a:r>
+              <a:rPr lang="en-GB" sz="2500" dirty="0"/>
+              <a:t>Take what we have</a:t>
+            </a:r>
+          </a:p>
+          <a:p>
+            <a:pPr lvl="2"/>
+            <a:r>
+              <a:rPr lang="en-GB" sz="2500" dirty="0" err="1"/>
+              <a:t>WoT</a:t>
+            </a:r>
+            <a:r>
+              <a:rPr lang="en-GB" sz="2500" dirty="0"/>
+              <a:t> TD work vs. TM</a:t>
+            </a:r>
+          </a:p>
+          <a:p>
+            <a:pPr lvl="2"/>
+            <a:r>
+              <a:rPr lang="en-GB" sz="2500" dirty="0"/>
+              <a:t>Semantic proxy</a:t>
+            </a:r>
+          </a:p>
+          <a:p>
+            <a:pPr lvl="2"/>
+            <a:r>
+              <a:rPr lang="en-GB" sz="2500" dirty="0"/>
+              <a:t>Instantiation model – more than protocol binding, what is the implementation</a:t>
+            </a:r>
+          </a:p>
+          <a:p>
+            <a:pPr lvl="2"/>
+            <a:r>
+              <a:rPr lang="en-GB" sz="2500" dirty="0"/>
+              <a:t>Schedule?</a:t>
+            </a:r>
+          </a:p>
+          <a:p>
+            <a:pPr lvl="1"/>
+            <a:endParaRPr lang="en-GB" sz="2900" dirty="0"/>
+          </a:p>
+        </p:txBody>
+      </p:sp>
+    </p:spTree>
+    <p:extLst>
+      <p:ext uri="{BB962C8B-B14F-4D97-AF65-F5344CB8AC3E}">
+        <p14:creationId xmlns:p14="http://schemas.microsoft.com/office/powerpoint/2010/main" val="1066419274"/>
+      </p:ext>
+    </p:extLst>
+  </p:cSld>
+  <p:clrMapOvr>
+    <a:masterClrMapping/>
+  </p:clrMapOvr>
+</p:sld>
+</file>
+
+<file path=ppt/slides/slide4.xml><?xml version="1.0" encoding="utf-8"?>
 <p:sld xmlns:a="http://schemas.openxmlformats.org/drawingml/2006/main" xmlns:r="http://schemas.openxmlformats.org/officeDocument/2006/relationships" xmlns:p="http://schemas.openxmlformats.org/presentationml/2006/main">
   <p:cSld>
     <p:spTree>
